--- a/Tuichu.pptx
+++ b/Tuichu.pptx
@@ -7,10 +7,8 @@
   <p:sldIdLst>
     <p:sldId id="261" r:id="rId2"/>
     <p:sldId id="263" r:id="rId3"/>
-    <p:sldId id="258" r:id="rId4"/>
-    <p:sldId id="259" r:id="rId5"/>
-    <p:sldId id="264" r:id="rId6"/>
-    <p:sldId id="262" r:id="rId7"/>
+    <p:sldId id="259" r:id="rId4"/>
+    <p:sldId id="262" r:id="rId5"/>
   </p:sldIdLst>
   <p:sldSz cx="12192000" cy="6858000"/>
   <p:notesSz cx="6858000" cy="9144000"/>
@@ -273,7 +271,7 @@
           <a:p>
             <a:fld id="{82EDB8D0-98ED-4B86-9D5F-E61ADC70144D}" type="datetimeFigureOut">
               <a:rPr lang="en-US" smtClean="0"/>
-              <a:t>12/2/2020</a:t>
+              <a:t>12/3/2020</a:t>
             </a:fld>
             <a:endParaRPr lang="en-US"/>
           </a:p>
@@ -327,7 +325,7 @@
           <a:p>
             <a:fld id="{4854181D-6920-4594-9A5D-6CE56DC9F8B2}" type="slidenum">
               <a:rPr lang="en-US" smtClean="0"/>
-              <a:t>‹#›</a:t>
+              <a:t>‹N›</a:t>
             </a:fld>
             <a:endParaRPr lang="en-US"/>
           </a:p>
@@ -688,7 +686,7 @@
           <a:p>
             <a:fld id="{82EDB8D0-98ED-4B86-9D5F-E61ADC70144D}" type="datetimeFigureOut">
               <a:rPr lang="en-US" smtClean="0"/>
-              <a:t>12/2/2020</a:t>
+              <a:t>12/3/2020</a:t>
             </a:fld>
             <a:endParaRPr lang="en-US"/>
           </a:p>
@@ -742,7 +740,7 @@
           <a:p>
             <a:fld id="{4854181D-6920-4594-9A5D-6CE56DC9F8B2}" type="slidenum">
               <a:rPr lang="en-US" smtClean="0"/>
-              <a:t>‹#›</a:t>
+              <a:t>‹N›</a:t>
             </a:fld>
             <a:endParaRPr lang="en-US"/>
           </a:p>
@@ -1180,7 +1178,7 @@
           <a:p>
             <a:fld id="{82EDB8D0-98ED-4B86-9D5F-E61ADC70144D}" type="datetimeFigureOut">
               <a:rPr lang="en-US" smtClean="0"/>
-              <a:t>12/2/2020</a:t>
+              <a:t>12/3/2020</a:t>
             </a:fld>
             <a:endParaRPr lang="en-US"/>
           </a:p>
@@ -1234,7 +1232,7 @@
           <a:p>
             <a:fld id="{4854181D-6920-4594-9A5D-6CE56DC9F8B2}" type="slidenum">
               <a:rPr lang="en-US" smtClean="0"/>
-              <a:t>‹#›</a:t>
+              <a:t>‹N›</a:t>
             </a:fld>
             <a:endParaRPr lang="en-US"/>
           </a:p>
@@ -1667,7 +1665,7 @@
           <a:p>
             <a:fld id="{82EDB8D0-98ED-4B86-9D5F-E61ADC70144D}" type="datetimeFigureOut">
               <a:rPr lang="en-US" smtClean="0"/>
-              <a:t>12/2/2020</a:t>
+              <a:t>12/3/2020</a:t>
             </a:fld>
             <a:endParaRPr lang="en-US"/>
           </a:p>
@@ -1721,7 +1719,7 @@
           <a:p>
             <a:fld id="{4854181D-6920-4594-9A5D-6CE56DC9F8B2}" type="slidenum">
               <a:rPr lang="en-US" smtClean="0"/>
-              <a:t>‹#›</a:t>
+              <a:t>‹N›</a:t>
             </a:fld>
             <a:endParaRPr lang="en-US"/>
           </a:p>
@@ -2436,7 +2434,7 @@
           <a:p>
             <a:fld id="{82EDB8D0-98ED-4B86-9D5F-E61ADC70144D}" type="datetimeFigureOut">
               <a:rPr lang="en-US" smtClean="0"/>
-              <a:t>12/2/2020</a:t>
+              <a:t>12/3/2020</a:t>
             </a:fld>
             <a:endParaRPr lang="en-US"/>
           </a:p>
@@ -2490,7 +2488,7 @@
           <a:p>
             <a:fld id="{4854181D-6920-4594-9A5D-6CE56DC9F8B2}" type="slidenum">
               <a:rPr lang="en-US" smtClean="0"/>
-              <a:t>‹#›</a:t>
+              <a:t>‹N›</a:t>
             </a:fld>
             <a:endParaRPr lang="en-US"/>
           </a:p>
@@ -2918,7 +2916,7 @@
           <a:p>
             <a:fld id="{82EDB8D0-98ED-4B86-9D5F-E61ADC70144D}" type="datetimeFigureOut">
               <a:rPr lang="en-US" smtClean="0"/>
-              <a:t>12/2/2020</a:t>
+              <a:t>12/3/2020</a:t>
             </a:fld>
             <a:endParaRPr lang="en-US"/>
           </a:p>
@@ -2972,7 +2970,7 @@
           <a:p>
             <a:fld id="{4854181D-6920-4594-9A5D-6CE56DC9F8B2}" type="slidenum">
               <a:rPr lang="en-US" smtClean="0"/>
-              <a:t>‹#›</a:t>
+              <a:t>‹N›</a:t>
             </a:fld>
             <a:endParaRPr lang="en-US"/>
           </a:p>
@@ -3614,7 +3612,7 @@
           <a:p>
             <a:fld id="{82EDB8D0-98ED-4B86-9D5F-E61ADC70144D}" type="datetimeFigureOut">
               <a:rPr lang="en-US" smtClean="0"/>
-              <a:t>12/2/2020</a:t>
+              <a:t>12/3/2020</a:t>
             </a:fld>
             <a:endParaRPr lang="en-US"/>
           </a:p>
@@ -3668,7 +3666,7 @@
           <a:p>
             <a:fld id="{4854181D-6920-4594-9A5D-6CE56DC9F8B2}" type="slidenum">
               <a:rPr lang="en-US" smtClean="0"/>
-              <a:t>‹#›</a:t>
+              <a:t>‹N›</a:t>
             </a:fld>
             <a:endParaRPr lang="en-US"/>
           </a:p>
@@ -4039,7 +4037,7 @@
           <a:p>
             <a:fld id="{82EDB8D0-98ED-4B86-9D5F-E61ADC70144D}" type="datetimeFigureOut">
               <a:rPr lang="en-US" smtClean="0"/>
-              <a:t>12/2/2020</a:t>
+              <a:t>12/3/2020</a:t>
             </a:fld>
             <a:endParaRPr lang="en-US"/>
           </a:p>
@@ -4093,7 +4091,7 @@
           <a:p>
             <a:fld id="{4854181D-6920-4594-9A5D-6CE56DC9F8B2}" type="slidenum">
               <a:rPr lang="en-US" smtClean="0"/>
-              <a:t>‹#›</a:t>
+              <a:t>‹N›</a:t>
             </a:fld>
             <a:endParaRPr lang="en-US"/>
           </a:p>
@@ -4436,7 +4434,7 @@
           <a:p>
             <a:fld id="{82EDB8D0-98ED-4B86-9D5F-E61ADC70144D}" type="datetimeFigureOut">
               <a:rPr lang="en-US" smtClean="0"/>
-              <a:t>12/2/2020</a:t>
+              <a:t>12/3/2020</a:t>
             </a:fld>
             <a:endParaRPr lang="en-US"/>
           </a:p>
@@ -4490,7 +4488,7 @@
           <a:p>
             <a:fld id="{4854181D-6920-4594-9A5D-6CE56DC9F8B2}" type="slidenum">
               <a:rPr lang="en-US" smtClean="0"/>
-              <a:t>‹#›</a:t>
+              <a:t>‹N›</a:t>
             </a:fld>
             <a:endParaRPr lang="en-US"/>
           </a:p>
@@ -5031,7 +5029,7 @@
           <a:p>
             <a:fld id="{82EDB8D0-98ED-4B86-9D5F-E61ADC70144D}" type="datetimeFigureOut">
               <a:rPr lang="en-US" smtClean="0"/>
-              <a:t>12/2/2020</a:t>
+              <a:t>12/3/2020</a:t>
             </a:fld>
             <a:endParaRPr lang="en-US"/>
           </a:p>
@@ -5085,7 +5083,7 @@
           <a:p>
             <a:fld id="{4854181D-6920-4594-9A5D-6CE56DC9F8B2}" type="slidenum">
               <a:rPr lang="en-US" smtClean="0"/>
-              <a:t>‹#›</a:t>
+              <a:t>‹N›</a:t>
             </a:fld>
             <a:endParaRPr lang="en-US"/>
           </a:p>
@@ -5606,7 +5604,7 @@
           <a:p>
             <a:fld id="{82EDB8D0-98ED-4B86-9D5F-E61ADC70144D}" type="datetimeFigureOut">
               <a:rPr lang="en-US" smtClean="0"/>
-              <a:t>12/2/2020</a:t>
+              <a:t>12/3/2020</a:t>
             </a:fld>
             <a:endParaRPr lang="en-US"/>
           </a:p>
@@ -5660,7 +5658,7 @@
           <a:p>
             <a:fld id="{4854181D-6920-4594-9A5D-6CE56DC9F8B2}" type="slidenum">
               <a:rPr lang="en-US" smtClean="0"/>
-              <a:t>‹#›</a:t>
+              <a:t>‹N›</a:t>
             </a:fld>
             <a:endParaRPr lang="en-US"/>
           </a:p>
@@ -6133,7 +6131,7 @@
             <a:fld id="{82EDB8D0-98ED-4B86-9D5F-E61ADC70144D}" type="datetimeFigureOut">
               <a:rPr lang="en-US" smtClean="0"/>
               <a:pPr/>
-              <a:t>12/2/2020</a:t>
+              <a:t>12/3/2020</a:t>
             </a:fld>
             <a:endParaRPr lang="en-US"/>
           </a:p>
@@ -6226,7 +6224,7 @@
             <a:fld id="{4854181D-6920-4594-9A5D-6CE56DC9F8B2}" type="slidenum">
               <a:rPr lang="en-US" smtClean="0"/>
               <a:pPr/>
-              <a:t>‹#›</a:t>
+              <a:t>‹N›</a:t>
             </a:fld>
             <a:endParaRPr lang="en-US"/>
           </a:p>
@@ -7767,7 +7765,7 @@
           <a:lstStyle/>
           <a:p>
             <a:r>
-              <a:rPr lang="en-US" b="1">
+              <a:rPr lang="en-US" b="1" dirty="0">
                 <a:ea typeface="+mn-lt"/>
                 <a:cs typeface="+mn-lt"/>
                 <a:hlinkClick r:id="rId2"/>
@@ -7775,7 +7773,7 @@
               <a:t>Daniele Santini</a:t>
             </a:r>
             <a:r>
-              <a:rPr lang="en-US" b="1">
+              <a:rPr lang="en-US" b="1" dirty="0">
                 <a:ea typeface="+mn-lt"/>
                 <a:cs typeface="+mn-lt"/>
               </a:rPr>
@@ -7784,15 +7782,23 @@
           </a:p>
           <a:p>
             <a:r>
-              <a:rPr lang="en-US" b="1">
+              <a:rPr lang="en-US" b="1" dirty="0" err="1">
                 <a:ea typeface="+mn-lt"/>
                 <a:cs typeface="+mn-lt"/>
                 <a:hlinkClick r:id="rId3"/>
               </a:rPr>
-              <a:t>Parsa Dahesh</a:t>
-            </a:r>
-            <a:r>
-              <a:rPr lang="en-US" b="1">
+              <a:t>Parsa</a:t>
+            </a:r>
+            <a:r>
+              <a:rPr lang="en-US" b="1" dirty="0">
+                <a:ea typeface="+mn-lt"/>
+                <a:cs typeface="+mn-lt"/>
+                <a:hlinkClick r:id="rId3"/>
+              </a:rPr>
+              <a:t> Dahesh</a:t>
+            </a:r>
+            <a:r>
+              <a:rPr lang="en-US" b="1" dirty="0">
                 <a:ea typeface="+mn-lt"/>
                 <a:cs typeface="+mn-lt"/>
               </a:rPr>
@@ -7801,15 +7807,23 @@
           </a:p>
           <a:p>
             <a:r>
-              <a:rPr lang="en-US" b="1">
+              <a:rPr lang="en-US" b="1" dirty="0">
                 <a:ea typeface="+mn-lt"/>
                 <a:cs typeface="+mn-lt"/>
                 <a:hlinkClick r:id="rId4"/>
               </a:rPr>
-              <a:t>Michele Luca Contalbo</a:t>
-            </a:r>
-            <a:r>
-              <a:rPr lang="en-US" b="1">
+              <a:t>Michele Luca </a:t>
+            </a:r>
+            <a:r>
+              <a:rPr lang="en-US" b="1" dirty="0" err="1">
+                <a:ea typeface="+mn-lt"/>
+                <a:cs typeface="+mn-lt"/>
+                <a:hlinkClick r:id="rId4"/>
+              </a:rPr>
+              <a:t>Contalbo</a:t>
+            </a:r>
+            <a:r>
+              <a:rPr lang="en-US" b="1" dirty="0">
                 <a:ea typeface="+mn-lt"/>
                 <a:cs typeface="+mn-lt"/>
               </a:rPr>
@@ -7818,7 +7832,7 @@
           </a:p>
           <a:p>
             <a:r>
-              <a:rPr lang="en-US" b="1">
+              <a:rPr lang="en-US" b="1" dirty="0">
                 <a:ea typeface="+mn-lt"/>
                 <a:cs typeface="+mn-lt"/>
                 <a:hlinkClick r:id="rId5"/>
@@ -7826,19 +7840,19 @@
               <a:t>Jyoti Yadav</a:t>
             </a:r>
             <a:r>
-              <a:rPr lang="en-US">
+              <a:rPr lang="en-US" dirty="0">
                 <a:ea typeface="+mn-lt"/>
                 <a:cs typeface="+mn-lt"/>
               </a:rPr>
               <a:t> </a:t>
             </a:r>
             <a:br>
-              <a:rPr lang="en-US">
+              <a:rPr lang="en-US" dirty="0">
                 <a:ea typeface="+mn-lt"/>
                 <a:cs typeface="+mn-lt"/>
               </a:rPr>
             </a:br>
-            <a:endParaRPr lang="en-US"/>
+            <a:endParaRPr lang="en-US" dirty="0"/>
           </a:p>
         </p:txBody>
       </p:sp>
@@ -8504,7 +8518,7 @@
           <a:p>
             <a:pPr algn="l"/>
             <a:r>
-              <a:rPr lang="en-US" sz="4400" kern="1200">
+              <a:rPr lang="en-US" sz="4400" kern="1200" dirty="0">
                 <a:solidFill>
                   <a:srgbClr val="FFFFFF"/>
                 </a:solidFill>
@@ -8535,8 +8549,8 @@
         </p:nvSpPr>
         <p:spPr>
           <a:xfrm>
-            <a:off x="4447308" y="591344"/>
-            <a:ext cx="6906491" cy="5585619"/>
+            <a:off x="4287760" y="591345"/>
+            <a:ext cx="7066039" cy="4083433"/>
           </a:xfrm>
         </p:spPr>
         <p:txBody>
@@ -8550,16 +8564,9 @@
               <a:buChar char="•"/>
             </a:pPr>
             <a:r>
-              <a:rPr lang="en-US"/>
-              <a:t>The project framework has been taken from </a:t>
-            </a:r>
-            <a:r>
-              <a:rPr lang="en-US">
-                <a:hlinkClick r:id="rId2"/>
-              </a:rPr>
-              <a:t>Andrea GalassiTablutCompetition</a:t>
-            </a:r>
-            <a:endParaRPr lang="en-US"/>
+              <a:rPr lang="en-US" dirty="0"/>
+              <a:t>Programming language: Java</a:t>
+            </a:r>
           </a:p>
           <a:p>
             <a:pPr marL="342900" indent="-228600" algn="l">
@@ -8567,9 +8574,16 @@
               <a:buChar char="•"/>
             </a:pPr>
             <a:r>
-              <a:rPr lang="en-US"/>
-              <a:t>The programming language used is Java</a:t>
-            </a:r>
+              <a:rPr lang="en-US" dirty="0"/>
+              <a:t>GitHub repository: </a:t>
+            </a:r>
+            <a:r>
+              <a:rPr lang="en-US" dirty="0">
+                <a:hlinkClick r:id="rId2"/>
+              </a:rPr>
+              <a:t>Danysan1/tablut-ai</a:t>
+            </a:r>
+            <a:endParaRPr lang="en-US" dirty="0"/>
           </a:p>
           <a:p>
             <a:pPr marL="342900" indent="-228600" algn="l">
@@ -8577,19 +8591,90 @@
               <a:buChar char="•"/>
             </a:pPr>
             <a:r>
-              <a:rPr lang="en-US"/>
-              <a:t>GitHub Link </a:t>
-            </a:r>
-            <a:r>
-              <a:rPr lang="en-US">
-                <a:hlinkClick r:id="rId3"/>
+              <a:rPr lang="en-US" dirty="0"/>
+              <a:t>AI Algorithm: </a:t>
+            </a:r>
+            <a:r>
+              <a:rPr lang="en-US" dirty="0" err="1"/>
+              <a:t>MinMax</a:t>
+            </a:r>
+            <a:r>
+              <a:rPr lang="en-US" dirty="0"/>
+              <a:t> with Alpha/Beta Pruning</a:t>
+            </a:r>
+          </a:p>
+          <a:p>
+            <a:pPr marL="800100" lvl="1" indent="-228600" algn="l">
+              <a:buFont typeface="Arial" panose="020B0604020202020204" pitchFamily="34" charset="0"/>
+              <a:buChar char="•"/>
+            </a:pPr>
+            <a:r>
+              <a:rPr lang="en-US" dirty="0"/>
+              <a:t>Package </a:t>
+            </a:r>
+            <a:r>
+              <a:rPr lang="en-US" dirty="0" err="1"/>
+              <a:t>edu.tuichu</a:t>
+            </a:r>
+            <a:endParaRPr lang="en-US" dirty="0"/>
+          </a:p>
+          <a:p>
+            <a:pPr marL="342900" indent="-228600" algn="l">
+              <a:buFont typeface="Arial" panose="020B0604020202020204" pitchFamily="34" charset="0"/>
+              <a:buChar char="•"/>
+            </a:pPr>
+            <a:r>
+              <a:rPr lang="en-US" dirty="0"/>
+              <a:t>Project framework and utilities derived from the </a:t>
+            </a:r>
+            <a:r>
+              <a:rPr lang="en-US" dirty="0">
+                <a:solidFill>
+                  <a:srgbClr val="E50CBC"/>
+                </a:solidFill>
+                <a:hlinkClick r:id="rId3">
+                  <a:extLst>
+                    <a:ext uri="{A12FA001-AC4F-418D-AE19-62706E023703}">
+                      <ahyp:hlinkClr xmlns:ahyp="http://schemas.microsoft.com/office/drawing/2018/hyperlinkcolor" val="tx"/>
+                    </a:ext>
+                  </a:extLst>
+                </a:hlinkClick>
               </a:rPr>
-              <a:t>tablut-ai</a:t>
+              <a:t>TablutCompetition</a:t>
+            </a:r>
+            <a:r>
+              <a:rPr lang="en-US" dirty="0"/>
+              <a:t> repo</a:t>
+            </a:r>
+          </a:p>
+          <a:p>
+            <a:pPr marL="800100" lvl="1" indent="-228600" algn="l">
+              <a:buFont typeface="Arial" panose="020B0604020202020204" pitchFamily="34" charset="0"/>
+              <a:buChar char="•"/>
+            </a:pPr>
+            <a:r>
+              <a:rPr lang="it-IT" dirty="0"/>
+              <a:t>Package </a:t>
+            </a:r>
+            <a:r>
+              <a:rPr lang="it-IT" dirty="0" err="1"/>
+              <a:t>it.unibo.ai.didattica.competition.tablut</a:t>
+            </a:r>
+            <a:endParaRPr lang="en-US" dirty="0"/>
+          </a:p>
+          <a:p>
+            <a:pPr marL="342900" indent="-228600" algn="l">
+              <a:buFont typeface="Arial" panose="020B0604020202020204" pitchFamily="34" charset="0"/>
+              <a:buChar char="•"/>
+            </a:pPr>
+            <a:r>
+              <a:rPr lang="en-US" dirty="0"/>
+              <a:t>The maximum depth used is 4 </a:t>
             </a:r>
             <a:br>
-              <a:rPr lang="en-US"/>
+              <a:rPr lang="en-US" dirty="0"/>
             </a:br>
-            <a:endParaRPr lang="en-US"/>
+            <a:endParaRPr lang="en-US" dirty="0"/>
           </a:p>
         </p:txBody>
       </p:sp>
@@ -8683,109 +8768,29 @@
           </a:p>
         </p:txBody>
       </p:sp>
-    </p:spTree>
-    <p:extLst>
-      <p:ext uri="{BB962C8B-B14F-4D97-AF65-F5344CB8AC3E}">
-        <p14:creationId xmlns:p14="http://schemas.microsoft.com/office/powerpoint/2010/main" val="1937341359"/>
-      </p:ext>
-    </p:extLst>
-  </p:cSld>
-  <p:clrMapOvr>
-    <a:masterClrMapping/>
-  </p:clrMapOvr>
-</p:sld>
-</file>
-
-<file path=ppt/slides/slide3.xml><?xml version="1.0" encoding="utf-8"?>
-<p:sld xmlns:a="http://schemas.openxmlformats.org/drawingml/2006/main" xmlns:r="http://schemas.openxmlformats.org/officeDocument/2006/relationships" xmlns:p="http://schemas.openxmlformats.org/presentationml/2006/main">
-  <p:cSld>
-    <p:bg>
-      <p:bgPr>
-        <a:solidFill>
-          <a:schemeClr val="bg1"/>
-        </a:solidFill>
-        <a:effectLst/>
-      </p:bgPr>
-    </p:bg>
-    <p:spTree>
-      <p:nvGrpSpPr>
-        <p:cNvPr id="1" name=""/>
-        <p:cNvGrpSpPr/>
-        <p:nvPr/>
-      </p:nvGrpSpPr>
-      <p:grpSpPr>
-        <a:xfrm>
-          <a:off x="0" y="0"/>
-          <a:ext cx="0" cy="0"/>
-          <a:chOff x="0" y="0"/>
-          <a:chExt cx="0" cy="0"/>
-        </a:xfrm>
-      </p:grpSpPr>
-      <p:sp>
-        <p:nvSpPr>
-          <p:cNvPr id="48" name="Freeform: Shape 47">
-            <a:extLst>
-              <a:ext uri="{FF2B5EF4-FFF2-40B4-BE49-F238E27FC236}">
-                <a16:creationId xmlns:a16="http://schemas.microsoft.com/office/drawing/2014/main" id="{8A7BA06D-B3FF-4E91-8639-B4569AE3AA23}"/>
-              </a:ext>
-              <a:ext uri="{C183D7F6-B498-43B3-948B-1728B52AA6E4}">
-                <adec:decorative xmlns:adec="http://schemas.microsoft.com/office/drawing/2017/decorative" val="1"/>
-              </a:ext>
-            </a:extLst>
-          </p:cNvPr>
-          <p:cNvSpPr>
-            <a:spLocks noGrp="1" noRot="1" noChangeAspect="1" noMove="1" noResize="1" noEditPoints="1" noAdjustHandles="1" noChangeArrowheads="1" noChangeShapeType="1" noTextEdit="1"/>
-          </p:cNvSpPr>
-          <p:nvPr>
-            <p:extLst>
-              <p:ext uri="{386F3935-93C4-4BCD-93E2-E3B085C9AB24}">
-                <p16:designElem xmlns:p16="http://schemas.microsoft.com/office/powerpoint/2015/main" val="1"/>
-              </p:ext>
-            </p:extLst>
-          </p:nvPr>
+      <p:sp>
+        <p:nvSpPr>
+          <p:cNvPr id="9" name="Oval 35">
+            <a:extLst>
+              <a:ext uri="{FF2B5EF4-FFF2-40B4-BE49-F238E27FC236}">
+                <a16:creationId xmlns:a16="http://schemas.microsoft.com/office/drawing/2014/main" id="{9482595E-5144-4414-A0E4-64FA8AFDCDB6}"/>
+              </a:ext>
+            </a:extLst>
+          </p:cNvPr>
+          <p:cNvSpPr/>
+          <p:nvPr/>
         </p:nvSpPr>
         <p:spPr>
           <a:xfrm>
-            <a:off x="10208695" y="1"/>
-            <a:ext cx="1135066" cy="477997"/>
+            <a:off x="7629154" y="4046269"/>
+            <a:ext cx="4003728" cy="2492643"/>
           </a:xfrm>
-          <a:custGeom>
+          <a:prstGeom prst="ellipse">
             <a:avLst/>
-            <a:gdLst/>
-            <a:ahLst/>
-            <a:cxnLst/>
-            <a:rect l="l" t="t" r="r" b="b"/>
-            <a:pathLst>
-              <a:path w="1135066" h="477997">
-                <a:moveTo>
-                  <a:pt x="0" y="0"/>
-                </a:moveTo>
-                <a:lnTo>
-                  <a:pt x="1135066" y="0"/>
-                </a:lnTo>
-                <a:lnTo>
-                  <a:pt x="1133370" y="16827"/>
-                </a:lnTo>
-                <a:cubicBezTo>
-                  <a:pt x="1079514" y="280016"/>
-                  <a:pt x="846644" y="477997"/>
-                  <a:pt x="567533" y="477997"/>
-                </a:cubicBezTo>
-                <a:cubicBezTo>
-                  <a:pt x="288422" y="477997"/>
-                  <a:pt x="55552" y="280016"/>
-                  <a:pt x="1696" y="16827"/>
-                </a:cubicBezTo>
-                <a:close/>
-              </a:path>
-            </a:pathLst>
-          </a:custGeom>
+          </a:prstGeom>
           <a:solidFill>
-            <a:schemeClr val="accent4"/>
+            <a:schemeClr val="accent2"/>
           </a:solidFill>
-          <a:ln>
-            <a:noFill/>
-          </a:ln>
         </p:spPr>
         <p:style>
           <a:lnRef idx="2">
@@ -8804,701 +8809,63 @@
           </a:fontRef>
         </p:style>
         <p:txBody>
-          <a:bodyPr wrap="square" rtlCol="0" anchor="ctr">
-            <a:noAutofit/>
-          </a:bodyPr>
-          <a:lstStyle/>
-          <a:p>
-            <a:pPr marL="0" marR="0" lvl="0" indent="0" algn="ctr" defTabSz="914400" rtl="0" eaLnBrk="1" fontAlgn="auto" latinLnBrk="0" hangingPunct="1">
-              <a:lnSpc>
-                <a:spcPct val="100000"/>
-              </a:lnSpc>
-              <a:spcBef>
-                <a:spcPts val="0"/>
-              </a:spcBef>
-              <a:spcAft>
-                <a:spcPts val="0"/>
-              </a:spcAft>
-              <a:buClrTx/>
-              <a:buSzTx/>
-              <a:buFontTx/>
-              <a:buNone/>
-              <a:tabLst/>
-              <a:defRPr/>
-            </a:pPr>
-            <a:endParaRPr kumimoji="0" lang="en-US" sz="1800" b="0" i="0" u="none" strike="noStrike" kern="1200" cap="none" spc="0" normalizeH="0" baseline="0" noProof="0">
-              <a:ln>
-                <a:noFill/>
-              </a:ln>
-              <a:solidFill>
-                <a:prstClr val="white"/>
-              </a:solidFill>
-              <a:effectLst/>
-              <a:uLnTx/>
-              <a:uFillTx/>
-              <a:latin typeface="Calibri" panose="020F0502020204030204"/>
-              <a:ea typeface="+mn-ea"/>
-              <a:cs typeface="+mn-cs"/>
-            </a:endParaRPr>
-          </a:p>
-        </p:txBody>
-      </p:sp>
-      <p:sp>
-        <p:nvSpPr>
-          <p:cNvPr id="50" name="Arc 49">
-            <a:extLst>
-              <a:ext uri="{FF2B5EF4-FFF2-40B4-BE49-F238E27FC236}">
-                <a16:creationId xmlns:a16="http://schemas.microsoft.com/office/drawing/2014/main" id="{2B30C86D-5A07-48BC-9C9D-6F9A2DB1E9E1}"/>
-              </a:ext>
-              <a:ext uri="{C183D7F6-B498-43B3-948B-1728B52AA6E4}">
-                <adec:decorative xmlns:adec="http://schemas.microsoft.com/office/drawing/2017/decorative" val="1"/>
-              </a:ext>
-            </a:extLst>
-          </p:cNvPr>
-          <p:cNvSpPr>
-            <a:spLocks noGrp="1" noRot="1" noChangeAspect="1" noMove="1" noResize="1" noEditPoints="1" noAdjustHandles="1" noChangeArrowheads="1" noChangeShapeType="1" noTextEdit="1"/>
-          </p:cNvSpPr>
-          <p:nvPr>
-            <p:extLst>
-              <p:ext uri="{386F3935-93C4-4BCD-93E2-E3B085C9AB24}">
-                <p16:designElem xmlns:p16="http://schemas.microsoft.com/office/powerpoint/2015/main" val="1"/>
-              </p:ext>
-            </p:extLst>
-          </p:nvPr>
-        </p:nvSpPr>
-        <p:spPr>
-          <a:xfrm rot="10800000" flipV="1">
-            <a:off x="555710" y="1064829"/>
-            <a:ext cx="4083433" cy="4083433"/>
-          </a:xfrm>
-          <a:prstGeom prst="arc">
-            <a:avLst/>
-          </a:prstGeom>
-          <a:ln w="127000" cap="rnd">
-            <a:solidFill>
-              <a:schemeClr val="accent4"/>
-            </a:solidFill>
-            <a:prstDash val="dash"/>
-          </a:ln>
-        </p:spPr>
-        <p:style>
-          <a:lnRef idx="1">
-            <a:schemeClr val="accent1"/>
-          </a:lnRef>
-          <a:fillRef idx="0">
-            <a:schemeClr val="accent1"/>
-          </a:fillRef>
-          <a:effectRef idx="0">
-            <a:schemeClr val="accent1"/>
-          </a:effectRef>
-          <a:fontRef idx="minor">
-            <a:schemeClr val="tx1"/>
-          </a:fontRef>
-        </p:style>
-        <p:txBody>
           <a:bodyPr rtlCol="0" anchor="ctr"/>
           <a:lstStyle/>
           <a:p>
-            <a:pPr marL="0" marR="0" lvl="0" indent="0" algn="ctr" defTabSz="914400" rtl="0" eaLnBrk="1" fontAlgn="auto" latinLnBrk="0" hangingPunct="1">
-              <a:lnSpc>
-                <a:spcPct val="100000"/>
-              </a:lnSpc>
-              <a:spcBef>
-                <a:spcPts val="0"/>
-              </a:spcBef>
+            <a:pPr algn="ctr">
               <a:spcAft>
-                <a:spcPts val="0"/>
+                <a:spcPts val="600"/>
               </a:spcAft>
-              <a:buClrTx/>
-              <a:buSzTx/>
-              <a:buFontTx/>
-              <a:buNone/>
-              <a:tabLst/>
-              <a:defRPr/>
             </a:pPr>
-            <a:endParaRPr kumimoji="0" lang="en-US" sz="1800" b="0" i="0" u="none" strike="noStrike" kern="1200" cap="none" spc="0" normalizeH="0" baseline="0" noProof="0">
-              <a:ln>
-                <a:noFill/>
-              </a:ln>
-              <a:solidFill>
-                <a:prstClr val="black"/>
-              </a:solidFill>
-              <a:effectLst/>
-              <a:uLnTx/>
-              <a:uFillTx/>
-              <a:latin typeface="Calibri" panose="020F0502020204030204"/>
-              <a:ea typeface="+mn-ea"/>
-              <a:cs typeface="+mn-cs"/>
-            </a:endParaRPr>
-          </a:p>
-        </p:txBody>
-      </p:sp>
-      <p:sp useBgFill="1">
-        <p:nvSpPr>
-          <p:cNvPr id="52" name="Rectangle 51">
-            <a:extLst>
-              <a:ext uri="{FF2B5EF4-FFF2-40B4-BE49-F238E27FC236}">
-                <a16:creationId xmlns:a16="http://schemas.microsoft.com/office/drawing/2014/main" id="{5AB83C82-30AD-4DF2-A9AD-CE1547FDEDEA}"/>
-              </a:ext>
-              <a:ext uri="{C183D7F6-B498-43B3-948B-1728B52AA6E4}">
-                <adec:decorative xmlns:adec="http://schemas.microsoft.com/office/drawing/2017/decorative" val="1"/>
-              </a:ext>
-            </a:extLst>
-          </p:cNvPr>
-          <p:cNvSpPr>
-            <a:spLocks noGrp="1" noRot="1" noChangeAspect="1" noMove="1" noResize="1" noEditPoints="1" noAdjustHandles="1" noChangeArrowheads="1" noChangeShapeType="1" noTextEdit="1"/>
-          </p:cNvSpPr>
-          <p:nvPr>
-            <p:extLst>
-              <p:ext uri="{386F3935-93C4-4BCD-93E2-E3B085C9AB24}">
-                <p16:designElem xmlns:p16="http://schemas.microsoft.com/office/powerpoint/2015/main" val="1"/>
-              </p:ext>
-            </p:extLst>
-          </p:nvPr>
-        </p:nvSpPr>
-        <p:spPr>
-          <a:xfrm>
-            <a:off x="3048" y="0"/>
-            <a:ext cx="12188952" cy="6858000"/>
-          </a:xfrm>
-          <a:prstGeom prst="rect">
-            <a:avLst/>
-          </a:prstGeom>
-          <a:ln>
-            <a:noFill/>
-          </a:ln>
-        </p:spPr>
-        <p:style>
-          <a:lnRef idx="2">
-            <a:schemeClr val="accent1">
-              <a:shade val="50000"/>
-            </a:schemeClr>
-          </a:lnRef>
-          <a:fillRef idx="1">
-            <a:schemeClr val="accent1"/>
-          </a:fillRef>
-          <a:effectRef idx="0">
-            <a:schemeClr val="accent1"/>
-          </a:effectRef>
-          <a:fontRef idx="minor">
-            <a:schemeClr val="lt1"/>
-          </a:fontRef>
-        </p:style>
-        <p:txBody>
-          <a:bodyPr rtlCol="0" anchor="ctr"/>
-          <a:lstStyle/>
-          <a:p>
-            <a:pPr marL="0" marR="0" lvl="0" indent="0" algn="ctr" defTabSz="914400" rtl="0" eaLnBrk="1" fontAlgn="auto" latinLnBrk="0" hangingPunct="1">
-              <a:lnSpc>
-                <a:spcPct val="100000"/>
-              </a:lnSpc>
-              <a:spcBef>
-                <a:spcPts val="0"/>
-              </a:spcBef>
+            <a:r>
+              <a:rPr lang="en-US" dirty="0">
+                <a:ea typeface="+mn-lt"/>
+                <a:cs typeface="+mn-lt"/>
+              </a:rPr>
+              <a:t>Maximize white player</a:t>
+            </a:r>
+          </a:p>
+          <a:p>
+            <a:pPr algn="ctr">
               <a:spcAft>
-                <a:spcPts val="0"/>
+                <a:spcPts val="600"/>
               </a:spcAft>
-              <a:buClrTx/>
-              <a:buSzTx/>
-              <a:buFontTx/>
-              <a:buNone/>
-              <a:tabLst/>
-              <a:defRPr/>
             </a:pPr>
-            <a:endParaRPr kumimoji="0" lang="en-US" sz="1800" b="0" i="0" u="none" strike="noStrike" kern="1200" cap="none" spc="0" normalizeH="0" baseline="0" noProof="0">
-              <a:ln>
-                <a:noFill/>
-              </a:ln>
-              <a:solidFill>
-                <a:prstClr val="white"/>
-              </a:solidFill>
-              <a:effectLst/>
-              <a:uLnTx/>
-              <a:uFillTx/>
-              <a:latin typeface="Calibri" panose="020F0502020204030204"/>
-              <a:ea typeface="+mn-ea"/>
-              <a:cs typeface="+mn-cs"/>
-            </a:endParaRPr>
-          </a:p>
-        </p:txBody>
-      </p:sp>
-      <p:sp>
-        <p:nvSpPr>
-          <p:cNvPr id="54" name="Rectangle 53">
-            <a:extLst>
-              <a:ext uri="{FF2B5EF4-FFF2-40B4-BE49-F238E27FC236}">
-                <a16:creationId xmlns:a16="http://schemas.microsoft.com/office/drawing/2014/main" id="{B36D2DE0-0628-4A9A-A59D-7BA8B5EB3022}"/>
-              </a:ext>
-              <a:ext uri="{C183D7F6-B498-43B3-948B-1728B52AA6E4}">
-                <adec:decorative xmlns:adec="http://schemas.microsoft.com/office/drawing/2017/decorative" val="1"/>
-              </a:ext>
-            </a:extLst>
-          </p:cNvPr>
-          <p:cNvSpPr>
-            <a:spLocks noGrp="1" noRot="1" noChangeAspect="1" noMove="1" noResize="1" noEditPoints="1" noAdjustHandles="1" noChangeArrowheads="1" noChangeShapeType="1" noTextEdit="1"/>
-          </p:cNvSpPr>
-          <p:nvPr>
-            <p:extLst>
-              <p:ext uri="{386F3935-93C4-4BCD-93E2-E3B085C9AB24}">
-                <p16:designElem xmlns:p16="http://schemas.microsoft.com/office/powerpoint/2015/main" val="1"/>
-              </p:ext>
-            </p:extLst>
-          </p:nvPr>
-        </p:nvSpPr>
-        <p:spPr>
-          <a:xfrm>
-            <a:off x="0" y="0"/>
-            <a:ext cx="12192000" cy="6858000"/>
-          </a:xfrm>
-          <a:prstGeom prst="rect">
-            <a:avLst/>
-          </a:prstGeom>
-          <a:noFill/>
-          <a:ln>
-            <a:noFill/>
-          </a:ln>
-        </p:spPr>
-        <p:style>
-          <a:lnRef idx="2">
-            <a:schemeClr val="accent1">
-              <a:shade val="50000"/>
-            </a:schemeClr>
-          </a:lnRef>
-          <a:fillRef idx="1">
-            <a:schemeClr val="accent1"/>
-          </a:fillRef>
-          <a:effectRef idx="0">
-            <a:schemeClr val="accent1"/>
-          </a:effectRef>
-          <a:fontRef idx="minor">
-            <a:schemeClr val="lt1"/>
-          </a:fontRef>
-        </p:style>
-        <p:txBody>
-          <a:bodyPr rtlCol="0" anchor="ctr"/>
-          <a:lstStyle/>
-          <a:p>
-            <a:pPr marL="0" marR="0" lvl="0" indent="0" algn="ctr" defTabSz="914400" rtl="0" eaLnBrk="1" fontAlgn="auto" latinLnBrk="0" hangingPunct="1">
-              <a:lnSpc>
-                <a:spcPct val="100000"/>
-              </a:lnSpc>
-              <a:spcBef>
-                <a:spcPts val="0"/>
-              </a:spcBef>
-              <a:spcAft>
-                <a:spcPts val="0"/>
-              </a:spcAft>
-              <a:buClrTx/>
-              <a:buSzTx/>
-              <a:buFontTx/>
-              <a:buNone/>
-              <a:tabLst/>
-              <a:defRPr/>
-            </a:pPr>
-            <a:endParaRPr kumimoji="0" lang="en-US" sz="1800" b="0" i="0" u="none" strike="noStrike" kern="1200" cap="none" spc="0" normalizeH="0" baseline="0" noProof="0">
-              <a:ln>
-                <a:noFill/>
-              </a:ln>
-              <a:solidFill>
-                <a:prstClr val="white"/>
-              </a:solidFill>
-              <a:effectLst/>
-              <a:uLnTx/>
-              <a:uFillTx/>
-              <a:latin typeface="Calibri" panose="020F0502020204030204"/>
-              <a:ea typeface="+mn-ea"/>
-              <a:cs typeface="+mn-cs"/>
-            </a:endParaRPr>
-          </a:p>
-        </p:txBody>
-      </p:sp>
-      <p:sp>
-        <p:nvSpPr>
-          <p:cNvPr id="56" name="Oval 55">
-            <a:extLst>
-              <a:ext uri="{FF2B5EF4-FFF2-40B4-BE49-F238E27FC236}">
-                <a16:creationId xmlns:a16="http://schemas.microsoft.com/office/drawing/2014/main" id="{48E405C9-94BE-41DA-928C-DEC9A8550E9F}"/>
-              </a:ext>
-              <a:ext uri="{C183D7F6-B498-43B3-948B-1728B52AA6E4}">
-                <adec:decorative xmlns:adec="http://schemas.microsoft.com/office/drawing/2017/decorative" val="1"/>
-              </a:ext>
-            </a:extLst>
-          </p:cNvPr>
-          <p:cNvSpPr>
-            <a:spLocks noGrp="1" noRot="1" noChangeAspect="1" noMove="1" noResize="1" noEditPoints="1" noAdjustHandles="1" noChangeArrowheads="1" noChangeShapeType="1" noTextEdit="1"/>
-          </p:cNvSpPr>
-          <p:nvPr>
-            <p:extLst>
-              <p:ext uri="{386F3935-93C4-4BCD-93E2-E3B085C9AB24}">
-                <p16:designElem xmlns:p16="http://schemas.microsoft.com/office/powerpoint/2015/main" val="1"/>
-              </p:ext>
-            </p:extLst>
-          </p:nvPr>
-        </p:nvSpPr>
-        <p:spPr>
-          <a:xfrm>
-            <a:off x="2815929" y="148929"/>
-            <a:ext cx="6560142" cy="6560142"/>
-          </a:xfrm>
-          <a:prstGeom prst="ellipse">
-            <a:avLst/>
-          </a:prstGeom>
-          <a:solidFill>
-            <a:schemeClr val="accent2"/>
-          </a:solidFill>
-          <a:ln>
-            <a:noFill/>
-          </a:ln>
-        </p:spPr>
-        <p:style>
-          <a:lnRef idx="2">
-            <a:schemeClr val="accent1">
-              <a:shade val="50000"/>
-            </a:schemeClr>
-          </a:lnRef>
-          <a:fillRef idx="1">
-            <a:schemeClr val="accent1"/>
-          </a:fillRef>
-          <a:effectRef idx="0">
-            <a:schemeClr val="accent1"/>
-          </a:effectRef>
-          <a:fontRef idx="minor">
-            <a:schemeClr val="lt1"/>
-          </a:fontRef>
-        </p:style>
-        <p:txBody>
-          <a:bodyPr rtlCol="0" anchor="ctr"/>
-          <a:lstStyle/>
-          <a:p>
-            <a:pPr marL="0" marR="0" lvl="0" indent="0" algn="ctr" defTabSz="914400" rtl="0" eaLnBrk="1" fontAlgn="auto" latinLnBrk="0" hangingPunct="1">
-              <a:lnSpc>
-                <a:spcPct val="100000"/>
-              </a:lnSpc>
-              <a:spcBef>
-                <a:spcPts val="0"/>
-              </a:spcBef>
-              <a:spcAft>
-                <a:spcPts val="0"/>
-              </a:spcAft>
-              <a:buClrTx/>
-              <a:buSzTx/>
-              <a:buFontTx/>
-              <a:buNone/>
-              <a:tabLst/>
-              <a:defRPr/>
-            </a:pPr>
-            <a:endParaRPr kumimoji="0" lang="en-US" sz="1800" b="0" i="0" u="none" strike="noStrike" kern="1200" cap="none" spc="0" normalizeH="0" baseline="0" noProof="0">
-              <a:ln>
-                <a:noFill/>
-              </a:ln>
-              <a:solidFill>
-                <a:prstClr val="white"/>
-              </a:solidFill>
-              <a:effectLst/>
-              <a:uLnTx/>
-              <a:uFillTx/>
-              <a:latin typeface="Calibri" panose="020F0502020204030204"/>
-              <a:ea typeface="+mn-ea"/>
-              <a:cs typeface="+mn-cs"/>
-            </a:endParaRPr>
-          </a:p>
-        </p:txBody>
-      </p:sp>
-      <p:sp>
-        <p:nvSpPr>
-          <p:cNvPr id="2" name="Title 1">
-            <a:extLst>
-              <a:ext uri="{FF2B5EF4-FFF2-40B4-BE49-F238E27FC236}">
-                <a16:creationId xmlns:a16="http://schemas.microsoft.com/office/drawing/2014/main" id="{996F8774-152A-42BA-9E18-99341A62FDDD}"/>
-              </a:ext>
-            </a:extLst>
-          </p:cNvPr>
-          <p:cNvSpPr>
-            <a:spLocks noGrp="1"/>
-          </p:cNvSpPr>
-          <p:nvPr>
-            <p:ph type="title"/>
-          </p:nvPr>
-        </p:nvSpPr>
-        <p:spPr>
-          <a:xfrm>
-            <a:off x="3315031" y="1380754"/>
-            <a:ext cx="5561938" cy="2513516"/>
-          </a:xfrm>
-        </p:spPr>
-        <p:txBody>
-          <a:bodyPr vert="horz" lIns="91440" tIns="45720" rIns="91440" bIns="45720" rtlCol="0" anchor="b">
-            <a:normAutofit/>
-          </a:bodyPr>
-          <a:lstStyle/>
-          <a:p>
-            <a:pPr algn="ctr"/>
-            <a:r>
-              <a:rPr lang="en-US" sz="3800" kern="1200">
-                <a:solidFill>
-                  <a:srgbClr val="FFFFFF"/>
-                </a:solidFill>
-                <a:latin typeface="+mj-lt"/>
-                <a:ea typeface="+mj-ea"/>
-                <a:cs typeface="+mj-cs"/>
-              </a:rPr>
-              <a:t>Minmax</a:t>
-            </a:r>
-            <a:br>
-              <a:rPr lang="en-US" sz="3800" kern="1200"/>
-            </a:br>
-            <a:r>
-              <a:rPr lang="en-US" sz="3800" kern="1200">
-                <a:solidFill>
-                  <a:srgbClr val="FFFFFF"/>
-                </a:solidFill>
-                <a:latin typeface="+mj-lt"/>
-                <a:ea typeface="+mj-ea"/>
-                <a:cs typeface="+mj-cs"/>
-              </a:rPr>
-              <a:t>       </a:t>
-            </a:r>
-            <a:r>
-              <a:rPr lang="en-US" sz="3800" b="1" kern="1200">
-                <a:solidFill>
-                  <a:srgbClr val="FFFFFF"/>
-                </a:solidFill>
-                <a:latin typeface="+mj-lt"/>
-                <a:ea typeface="+mj-ea"/>
-                <a:cs typeface="+mj-cs"/>
+            <a:r>
+              <a:rPr lang="en-US" dirty="0">
+                <a:ea typeface="+mn-lt"/>
+                <a:cs typeface="+mn-lt"/>
               </a:rPr>
               <a:t>+</a:t>
             </a:r>
-            <a:r>
-              <a:rPr lang="en-US" sz="3800" kern="1200">
-                <a:solidFill>
-                  <a:srgbClr val="FFFFFF"/>
-                </a:solidFill>
-                <a:latin typeface="+mj-lt"/>
-                <a:ea typeface="+mj-ea"/>
-                <a:cs typeface="+mj-cs"/>
+            <a:br>
+              <a:rPr lang="en-US" dirty="0">
+                <a:ea typeface="+mn-lt"/>
+                <a:cs typeface="+mn-lt"/>
               </a:rPr>
-              <a:t>         </a:t>
-            </a:r>
-            <a:br>
-              <a:rPr lang="en-US" sz="3800" kern="1200"/>
             </a:br>
             <a:r>
-              <a:rPr lang="en-US" sz="3800" kern="1200">
-                <a:solidFill>
-                  <a:srgbClr val="FFFFFF"/>
-                </a:solidFill>
-                <a:latin typeface="+mj-lt"/>
-                <a:ea typeface="+mj-ea"/>
-                <a:cs typeface="+mj-cs"/>
+              <a:rPr lang="en-US" dirty="0">
+                <a:ea typeface="+mn-lt"/>
+                <a:cs typeface="+mn-lt"/>
               </a:rPr>
-              <a:t>    AlphaBeta Pruning </a:t>
-            </a:r>
-            <a:br>
-              <a:rPr lang="en-US" sz="3800" kern="1200"/>
-            </a:br>
-            <a:endParaRPr lang="en-US" sz="3800" kern="1200">
-              <a:solidFill>
-                <a:srgbClr val="FFFFFF"/>
-              </a:solidFill>
-              <a:latin typeface="+mj-lt"/>
-              <a:ea typeface="+mj-ea"/>
-              <a:cs typeface="+mj-cs"/>
-            </a:endParaRPr>
-          </a:p>
-        </p:txBody>
-      </p:sp>
-      <p:sp>
-        <p:nvSpPr>
-          <p:cNvPr id="58" name="Arc 57">
-            <a:extLst>
-              <a:ext uri="{FF2B5EF4-FFF2-40B4-BE49-F238E27FC236}">
-                <a16:creationId xmlns:a16="http://schemas.microsoft.com/office/drawing/2014/main" id="{D2091A72-D5BB-42AC-8FD3-F7747D90861E}"/>
-              </a:ext>
-              <a:ext uri="{C183D7F6-B498-43B3-948B-1728B52AA6E4}">
-                <adec:decorative xmlns:adec="http://schemas.microsoft.com/office/drawing/2017/decorative" val="1"/>
-              </a:ext>
-            </a:extLst>
-          </p:cNvPr>
-          <p:cNvSpPr>
-            <a:spLocks noGrp="1" noRot="1" noChangeAspect="1" noMove="1" noResize="1" noEditPoints="1" noAdjustHandles="1" noChangeArrowheads="1" noChangeShapeType="1" noTextEdit="1"/>
-          </p:cNvSpPr>
-          <p:nvPr>
-            <p:extLst>
-              <p:ext uri="{386F3935-93C4-4BCD-93E2-E3B085C9AB24}">
-                <p16:designElem xmlns:p16="http://schemas.microsoft.com/office/powerpoint/2015/main" val="1"/>
-              </p:ext>
-            </p:extLst>
-          </p:nvPr>
-        </p:nvSpPr>
-        <p:spPr>
-          <a:xfrm rot="9222429" flipV="1">
-            <a:off x="2494119" y="-28502"/>
-            <a:ext cx="6816262" cy="6816262"/>
-          </a:xfrm>
-          <a:prstGeom prst="arc">
-            <a:avLst>
-              <a:gd name="adj1" fmla="val 16200000"/>
-              <a:gd name="adj2" fmla="val 20093138"/>
-            </a:avLst>
-          </a:prstGeom>
-          <a:ln w="127000" cap="rnd">
-            <a:solidFill>
-              <a:schemeClr val="accent4">
-                <a:alpha val="95000"/>
-              </a:schemeClr>
-            </a:solidFill>
-            <a:prstDash val="dash"/>
-          </a:ln>
-        </p:spPr>
-        <p:style>
-          <a:lnRef idx="1">
-            <a:schemeClr val="accent1"/>
-          </a:lnRef>
-          <a:fillRef idx="0">
-            <a:schemeClr val="accent1"/>
-          </a:fillRef>
-          <a:effectRef idx="0">
-            <a:schemeClr val="accent1"/>
-          </a:effectRef>
-          <a:fontRef idx="minor">
-            <a:schemeClr val="tx1"/>
-          </a:fontRef>
-        </p:style>
-        <p:txBody>
-          <a:bodyPr rtlCol="0" anchor="ctr"/>
-          <a:lstStyle/>
-          <a:p>
-            <a:pPr marL="0" marR="0" lvl="0" indent="0" algn="ctr" defTabSz="914400" rtl="0" eaLnBrk="1" fontAlgn="auto" latinLnBrk="0" hangingPunct="1">
-              <a:lnSpc>
-                <a:spcPct val="100000"/>
-              </a:lnSpc>
-              <a:spcBef>
-                <a:spcPts val="0"/>
-              </a:spcBef>
-              <a:spcAft>
-                <a:spcPts val="0"/>
-              </a:spcAft>
-              <a:buClrTx/>
-              <a:buSzTx/>
-              <a:buFontTx/>
-              <a:buNone/>
-              <a:tabLst/>
-              <a:defRPr/>
-            </a:pPr>
-            <a:endParaRPr kumimoji="0" lang="en-US" sz="1800" b="0" i="0" u="none" strike="noStrike" kern="1200" cap="none" spc="0" normalizeH="0" baseline="0" noProof="0">
-              <a:ln>
-                <a:noFill/>
-              </a:ln>
-              <a:solidFill>
-                <a:prstClr val="black"/>
-              </a:solidFill>
-              <a:effectLst/>
-              <a:uLnTx/>
-              <a:uFillTx/>
-              <a:latin typeface="Calibri" panose="020F0502020204030204"/>
-              <a:ea typeface="+mn-ea"/>
-              <a:cs typeface="+mn-cs"/>
-            </a:endParaRPr>
-          </a:p>
-        </p:txBody>
-      </p:sp>
-      <p:sp>
-        <p:nvSpPr>
-          <p:cNvPr id="60" name="Oval 59">
-            <a:extLst>
-              <a:ext uri="{FF2B5EF4-FFF2-40B4-BE49-F238E27FC236}">
-                <a16:creationId xmlns:a16="http://schemas.microsoft.com/office/drawing/2014/main" id="{6ED12BFC-A737-46AF-8411-481112D54B0C}"/>
-              </a:ext>
-              <a:ext uri="{C183D7F6-B498-43B3-948B-1728B52AA6E4}">
-                <adec:decorative xmlns:adec="http://schemas.microsoft.com/office/drawing/2017/decorative" val="1"/>
-              </a:ext>
-            </a:extLst>
-          </p:cNvPr>
-          <p:cNvSpPr>
-            <a:spLocks noGrp="1" noRot="1" noChangeAspect="1" noMove="1" noResize="1" noEditPoints="1" noAdjustHandles="1" noChangeArrowheads="1" noChangeShapeType="1" noTextEdit="1"/>
-          </p:cNvSpPr>
-          <p:nvPr>
-            <p:extLst>
-              <p:ext uri="{386F3935-93C4-4BCD-93E2-E3B085C9AB24}">
-                <p16:designElem xmlns:p16="http://schemas.microsoft.com/office/powerpoint/2015/main" val="1"/>
-              </p:ext>
-            </p:extLst>
-          </p:nvPr>
-        </p:nvSpPr>
-        <p:spPr>
-          <a:xfrm>
-            <a:off x="8165417" y="5241988"/>
-            <a:ext cx="759403" cy="738802"/>
-          </a:xfrm>
-          <a:prstGeom prst="ellipse">
-            <a:avLst/>
-          </a:prstGeom>
-          <a:solidFill>
-            <a:schemeClr val="accent5"/>
-          </a:solidFill>
-          <a:ln>
-            <a:noFill/>
-          </a:ln>
-        </p:spPr>
-        <p:style>
-          <a:lnRef idx="2">
-            <a:schemeClr val="accent1">
-              <a:shade val="50000"/>
-            </a:schemeClr>
-          </a:lnRef>
-          <a:fillRef idx="1">
-            <a:schemeClr val="accent1"/>
-          </a:fillRef>
-          <a:effectRef idx="0">
-            <a:schemeClr val="accent1"/>
-          </a:effectRef>
-          <a:fontRef idx="minor">
-            <a:schemeClr val="lt1"/>
-          </a:fontRef>
-        </p:style>
-        <p:txBody>
-          <a:bodyPr rtlCol="0" anchor="ctr"/>
-          <a:lstStyle/>
-          <a:p>
-            <a:pPr marL="0" marR="0" lvl="0" indent="0" algn="ctr" defTabSz="914400" rtl="0" eaLnBrk="1" fontAlgn="auto" latinLnBrk="0" hangingPunct="1">
-              <a:lnSpc>
-                <a:spcPct val="100000"/>
-              </a:lnSpc>
-              <a:spcBef>
-                <a:spcPts val="0"/>
-              </a:spcBef>
-              <a:spcAft>
-                <a:spcPts val="0"/>
-              </a:spcAft>
-              <a:buClrTx/>
-              <a:buSzTx/>
-              <a:buFontTx/>
-              <a:buNone/>
-              <a:tabLst/>
-              <a:defRPr/>
-            </a:pPr>
-            <a:endParaRPr kumimoji="0" lang="en-US" sz="1800" b="0" i="0" u="none" strike="noStrike" kern="1200" cap="none" spc="0" normalizeH="0" baseline="0" noProof="0">
-              <a:ln>
-                <a:noFill/>
-              </a:ln>
-              <a:solidFill>
-                <a:prstClr val="white"/>
-              </a:solidFill>
-              <a:effectLst/>
-              <a:uLnTx/>
-              <a:uFillTx/>
-              <a:latin typeface="Calibri" panose="020F0502020204030204"/>
-              <a:ea typeface="+mn-ea"/>
-              <a:cs typeface="+mn-cs"/>
-            </a:endParaRPr>
+              <a:t>Minimize black playe</a:t>
+            </a:r>
+            <a:r>
+              <a:rPr lang="en-US" b="1" dirty="0">
+                <a:ea typeface="+mn-lt"/>
+                <a:cs typeface="+mn-lt"/>
+              </a:rPr>
+              <a:t>r</a:t>
+            </a:r>
+            <a:endParaRPr lang="en-US" b="1" dirty="0"/>
           </a:p>
         </p:txBody>
       </p:sp>
     </p:spTree>
     <p:extLst>
       <p:ext uri="{BB962C8B-B14F-4D97-AF65-F5344CB8AC3E}">
-        <p14:creationId xmlns:p14="http://schemas.microsoft.com/office/powerpoint/2010/main" val="875406922"/>
+        <p14:creationId xmlns:p14="http://schemas.microsoft.com/office/powerpoint/2010/main" val="1937341359"/>
       </p:ext>
     </p:extLst>
   </p:cSld>
@@ -9508,7 +8875,7 @@
 </p:sld>
 </file>
 
-<file path=ppt/slides/slide4.xml><?xml version="1.0" encoding="utf-8"?>
+<file path=ppt/slides/slide3.xml><?xml version="1.0" encoding="utf-8"?>
 <p:sld xmlns:a="http://schemas.openxmlformats.org/drawingml/2006/main" xmlns:r="http://schemas.openxmlformats.org/officeDocument/2006/relationships" xmlns:p="http://schemas.openxmlformats.org/presentationml/2006/main">
   <p:cSld>
     <p:bg>
@@ -9814,7 +9181,7 @@
           <a:lstStyle/>
           <a:p>
             <a:r>
-              <a:rPr lang="en-US">
+              <a:rPr lang="en-US" dirty="0">
                 <a:solidFill>
                   <a:srgbClr val="FFFFFF"/>
                 </a:solidFill>
@@ -9843,8 +9210,8 @@
         </p:nvSpPr>
         <p:spPr>
           <a:xfrm>
-            <a:off x="4447308" y="591344"/>
-            <a:ext cx="7470162" cy="5585619"/>
+            <a:off x="4167273" y="533401"/>
+            <a:ext cx="7750198" cy="6722532"/>
           </a:xfrm>
         </p:spPr>
         <p:txBody>
@@ -9854,66 +9221,175 @@
           <a:lstStyle/>
           <a:p>
             <a:r>
-              <a:rPr lang="en-US">
+              <a:rPr lang="en-US" dirty="0" err="1">
                 <a:ea typeface="+mn-lt"/>
                 <a:cs typeface="+mn-lt"/>
               </a:rPr>
-              <a:t>Black/white wins</a:t>
-            </a:r>
-          </a:p>
-          <a:p>
-            <a:r>
-              <a:rPr lang="en-US"/>
-              <a:t>Get eaten pawns </a:t>
-            </a:r>
-          </a:p>
-          <a:p>
-            <a:r>
-              <a:rPr lang="en-US">
+              <a:t>isWhiteWin</a:t>
+            </a:r>
+            <a:r>
+              <a:rPr lang="en-US" dirty="0">
                 <a:ea typeface="+mn-lt"/>
                 <a:cs typeface="+mn-lt"/>
               </a:rPr>
-              <a:t>GetMinManhattanDistanceFromKingToWin</a:t>
-            </a:r>
-          </a:p>
-          <a:p>
-            <a:r>
-              <a:rPr lang="en-US">
+              <a:t>() / </a:t>
+            </a:r>
+            <a:r>
+              <a:rPr lang="en-US" dirty="0" err="1">
                 <a:ea typeface="+mn-lt"/>
                 <a:cs typeface="+mn-lt"/>
               </a:rPr>
-              <a:t>GetPawnsAdjacentToKing</a:t>
-            </a:r>
-          </a:p>
-          <a:p>
-            <a:r>
-              <a:rPr lang="en-US">
+              <a:t>isBlackWin</a:t>
+            </a:r>
+            <a:r>
+              <a:rPr lang="en-US" dirty="0">
                 <a:ea typeface="+mn-lt"/>
                 <a:cs typeface="+mn-lt"/>
               </a:rPr>
-              <a:t>GetPawnsInKingsRow</a:t>
-            </a:r>
-          </a:p>
-          <a:p>
-            <a:r>
-              <a:rPr lang="en-US">
+              <a:t>()</a:t>
+            </a:r>
+          </a:p>
+          <a:p>
+            <a:r>
+              <a:rPr lang="en-US" dirty="0" err="1">
+                <a:ea typeface="+mn-lt"/>
+                <a:cs typeface="+mn-lt"/>
+              </a:rPr>
+              <a:t>isKingInCastle</a:t>
+            </a:r>
+            <a:r>
+              <a:rPr lang="en-US" dirty="0">
+                <a:ea typeface="+mn-lt"/>
+                <a:cs typeface="+mn-lt"/>
+              </a:rPr>
+              <a:t>()</a:t>
+            </a:r>
+          </a:p>
+          <a:p>
+            <a:r>
+              <a:rPr lang="en-US" dirty="0" err="1">
+                <a:ea typeface="+mn-lt"/>
+                <a:cs typeface="+mn-lt"/>
+              </a:rPr>
+              <a:t>getEatenPawns</a:t>
+            </a:r>
+            <a:r>
+              <a:rPr lang="en-US" dirty="0">
+                <a:ea typeface="+mn-lt"/>
+                <a:cs typeface="+mn-lt"/>
+              </a:rPr>
+              <a:t>()   (white + black)</a:t>
+            </a:r>
+          </a:p>
+          <a:p>
+            <a:r>
+              <a:rPr lang="en-US" dirty="0" err="1">
+                <a:ea typeface="+mn-lt"/>
+                <a:cs typeface="+mn-lt"/>
+              </a:rPr>
+              <a:t>getMinManhattanDistanceFromKingToWin</a:t>
+            </a:r>
+            <a:r>
+              <a:rPr lang="en-US" dirty="0">
+                <a:ea typeface="+mn-lt"/>
+                <a:cs typeface="+mn-lt"/>
+              </a:rPr>
+              <a:t>()</a:t>
+            </a:r>
+          </a:p>
+          <a:p>
+            <a:r>
+              <a:rPr lang="en-US" dirty="0" err="1">
+                <a:ea typeface="+mn-lt"/>
+                <a:cs typeface="+mn-lt"/>
+              </a:rPr>
+              <a:t>getPawnsInWinCells</a:t>
+            </a:r>
+            <a:r>
+              <a:rPr lang="en-US" dirty="0">
+                <a:ea typeface="+mn-lt"/>
+                <a:cs typeface="+mn-lt"/>
+              </a:rPr>
+              <a:t>()   (white + black)</a:t>
+            </a:r>
+          </a:p>
+          <a:p>
+            <a:r>
+              <a:rPr lang="en-US" dirty="0" err="1">
+                <a:ea typeface="+mn-lt"/>
+                <a:cs typeface="+mn-lt"/>
+              </a:rPr>
+              <a:t>getPawnsAdjacentToKing</a:t>
+            </a:r>
+            <a:r>
+              <a:rPr lang="en-US" dirty="0">
+                <a:ea typeface="+mn-lt"/>
+                <a:cs typeface="+mn-lt"/>
+              </a:rPr>
+              <a:t>()   (white + black)</a:t>
+            </a:r>
+          </a:p>
+          <a:p>
+            <a:r>
+              <a:rPr lang="en-US" dirty="0" err="1">
+                <a:ea typeface="+mn-lt"/>
+                <a:cs typeface="+mn-lt"/>
+              </a:rPr>
+              <a:t>getPawnsAroundKing</a:t>
+            </a:r>
+            <a:r>
+              <a:rPr lang="en-US" dirty="0">
+                <a:ea typeface="+mn-lt"/>
+                <a:cs typeface="+mn-lt"/>
+              </a:rPr>
+              <a:t>()   (white + black)</a:t>
+            </a:r>
+          </a:p>
+          <a:p>
+            <a:pPr lvl="1"/>
+            <a:r>
+              <a:rPr lang="en-US" dirty="0" err="1">
+                <a:ea typeface="+mn-lt"/>
+                <a:cs typeface="+mn-lt"/>
+              </a:rPr>
+              <a:t>getPawnsInKingsRow</a:t>
+            </a:r>
+            <a:r>
+              <a:rPr lang="en-US" dirty="0">
+                <a:ea typeface="+mn-lt"/>
+                <a:cs typeface="+mn-lt"/>
+              </a:rPr>
+              <a:t>()</a:t>
+            </a:r>
+          </a:p>
+          <a:p>
+            <a:pPr lvl="1"/>
+            <a:r>
+              <a:rPr lang="en-US" dirty="0" err="1">
                 <a:ea typeface="+mn-lt"/>
                 <a:cs typeface="+mn-lt"/>
               </a:rPr>
               <a:t>getPawnsInKingsColumn</a:t>
             </a:r>
-          </a:p>
-          <a:p>
-            <a:endParaRPr lang="en-US"/>
-          </a:p>
-          <a:p>
-            <a:endParaRPr lang="en-US"/>
+            <a:r>
+              <a:rPr lang="en-US" dirty="0">
+                <a:ea typeface="+mn-lt"/>
+                <a:cs typeface="+mn-lt"/>
+              </a:rPr>
+              <a:t>()</a:t>
+            </a:r>
+          </a:p>
+          <a:p>
+            <a:endParaRPr lang="en-US" dirty="0"/>
+          </a:p>
+          <a:p>
+            <a:endParaRPr lang="en-US" dirty="0"/>
           </a:p>
           <a:p>
             <a:pPr marL="0" indent="0">
               <a:buNone/>
             </a:pPr>
-            <a:endParaRPr lang="en-US"/>
+            <a:endParaRPr lang="en-US" dirty="0"/>
           </a:p>
         </p:txBody>
       </p:sp>
@@ -10206,100 +9682,6 @@
           </a:p>
         </p:txBody>
       </p:sp>
-      <p:sp>
-        <p:nvSpPr>
-          <p:cNvPr id="36" name="Oval 35">
-            <a:extLst>
-              <a:ext uri="{FF2B5EF4-FFF2-40B4-BE49-F238E27FC236}">
-                <a16:creationId xmlns:a16="http://schemas.microsoft.com/office/drawing/2014/main" id="{D8DFB851-E644-4DF4-871F-0FAD326B03EE}"/>
-              </a:ext>
-            </a:extLst>
-          </p:cNvPr>
-          <p:cNvSpPr/>
-          <p:nvPr/>
-        </p:nvSpPr>
-        <p:spPr>
-          <a:xfrm>
-            <a:off x="7370249" y="4199555"/>
-            <a:ext cx="4003728" cy="2492643"/>
-          </a:xfrm>
-          <a:prstGeom prst="ellipse">
-            <a:avLst/>
-          </a:prstGeom>
-          <a:solidFill>
-            <a:schemeClr val="accent2"/>
-          </a:solidFill>
-        </p:spPr>
-        <p:style>
-          <a:lnRef idx="2">
-            <a:schemeClr val="accent1">
-              <a:shade val="50000"/>
-            </a:schemeClr>
-          </a:lnRef>
-          <a:fillRef idx="1">
-            <a:schemeClr val="accent1"/>
-          </a:fillRef>
-          <a:effectRef idx="0">
-            <a:schemeClr val="accent1"/>
-          </a:effectRef>
-          <a:fontRef idx="minor">
-            <a:schemeClr val="lt1"/>
-          </a:fontRef>
-        </p:style>
-        <p:txBody>
-          <a:bodyPr rtlCol="0" anchor="ctr"/>
-          <a:lstStyle/>
-          <a:p>
-            <a:pPr algn="ctr">
-              <a:spcAft>
-                <a:spcPts val="600"/>
-              </a:spcAft>
-            </a:pPr>
-            <a:r>
-              <a:rPr lang="en-US">
-                <a:ea typeface="+mn-lt"/>
-                <a:cs typeface="+mn-lt"/>
-              </a:rPr>
-              <a:t>Maximize white player</a:t>
-            </a:r>
-          </a:p>
-          <a:p>
-            <a:pPr algn="ctr">
-              <a:spcAft>
-                <a:spcPts val="600"/>
-              </a:spcAft>
-            </a:pPr>
-            <a:r>
-              <a:rPr lang="en-US">
-                <a:ea typeface="+mn-lt"/>
-                <a:cs typeface="+mn-lt"/>
-              </a:rPr>
-              <a:t>+</a:t>
-            </a:r>
-            <a:br>
-              <a:rPr lang="en-US">
-                <a:ea typeface="+mn-lt"/>
-                <a:cs typeface="+mn-lt"/>
-              </a:rPr>
-            </a:br>
-            <a:r>
-              <a:rPr lang="en-US">
-                <a:ea typeface="+mn-lt"/>
-                <a:cs typeface="+mn-lt"/>
-              </a:rPr>
-              <a:t>Minimize black playe</a:t>
-            </a:r>
-            <a:r>
-              <a:rPr lang="en-US" b="1">
-                <a:ea typeface="+mn-lt"/>
-                <a:cs typeface="+mn-lt"/>
-              </a:rPr>
-              <a:t>r</a:t>
-            </a:r>
-            <a:endParaRPr lang="en-US" b="1"/>
-          </a:p>
-        </p:txBody>
-      </p:sp>
     </p:spTree>
     <p:extLst>
       <p:ext uri="{BB962C8B-B14F-4D97-AF65-F5344CB8AC3E}">
@@ -10313,404 +9695,7 @@
 </p:sld>
 </file>
 
-<file path=ppt/slides/slide5.xml><?xml version="1.0" encoding="utf-8"?>
-<p:sld xmlns:a="http://schemas.openxmlformats.org/drawingml/2006/main" xmlns:r="http://schemas.openxmlformats.org/officeDocument/2006/relationships" xmlns:p="http://schemas.openxmlformats.org/presentationml/2006/main">
-  <p:cSld>
-    <p:bg>
-      <p:bgPr>
-        <a:solidFill>
-          <a:schemeClr val="bg1"/>
-        </a:solidFill>
-        <a:effectLst/>
-      </p:bgPr>
-    </p:bg>
-    <p:spTree>
-      <p:nvGrpSpPr>
-        <p:cNvPr id="1" name=""/>
-        <p:cNvGrpSpPr/>
-        <p:nvPr/>
-      </p:nvGrpSpPr>
-      <p:grpSpPr>
-        <a:xfrm>
-          <a:off x="0" y="0"/>
-          <a:ext cx="0" cy="0"/>
-          <a:chOff x="0" y="0"/>
-          <a:chExt cx="0" cy="0"/>
-        </a:xfrm>
-      </p:grpSpPr>
-      <p:sp useBgFill="1">
-        <p:nvSpPr>
-          <p:cNvPr id="8" name="Rectangle 7">
-            <a:extLst>
-              <a:ext uri="{FF2B5EF4-FFF2-40B4-BE49-F238E27FC236}">
-                <a16:creationId xmlns:a16="http://schemas.microsoft.com/office/drawing/2014/main" id="{389575E1-3389-451A-A5F7-27854C25C599}"/>
-              </a:ext>
-              <a:ext uri="{C183D7F6-B498-43B3-948B-1728B52AA6E4}">
-                <adec:decorative xmlns:adec="http://schemas.microsoft.com/office/drawing/2017/decorative" val="1"/>
-              </a:ext>
-            </a:extLst>
-          </p:cNvPr>
-          <p:cNvSpPr>
-            <a:spLocks noGrp="1" noRot="1" noChangeAspect="1" noMove="1" noResize="1" noEditPoints="1" noAdjustHandles="1" noChangeArrowheads="1" noChangeShapeType="1" noTextEdit="1"/>
-          </p:cNvSpPr>
-          <p:nvPr>
-            <p:extLst>
-              <p:ext uri="{386F3935-93C4-4BCD-93E2-E3B085C9AB24}">
-                <p16:designElem xmlns:p16="http://schemas.microsoft.com/office/powerpoint/2015/main" val="1"/>
-              </p:ext>
-            </p:extLst>
-          </p:nvPr>
-        </p:nvSpPr>
-        <p:spPr>
-          <a:xfrm>
-            <a:off x="3048" y="4293"/>
-            <a:ext cx="12188952" cy="6858000"/>
-          </a:xfrm>
-          <a:prstGeom prst="rect">
-            <a:avLst/>
-          </a:prstGeom>
-          <a:ln>
-            <a:noFill/>
-          </a:ln>
-        </p:spPr>
-        <p:style>
-          <a:lnRef idx="2">
-            <a:schemeClr val="accent1">
-              <a:shade val="50000"/>
-            </a:schemeClr>
-          </a:lnRef>
-          <a:fillRef idx="1">
-            <a:schemeClr val="accent1"/>
-          </a:fillRef>
-          <a:effectRef idx="0">
-            <a:schemeClr val="accent1"/>
-          </a:effectRef>
-          <a:fontRef idx="minor">
-            <a:schemeClr val="lt1"/>
-          </a:fontRef>
-        </p:style>
-        <p:txBody>
-          <a:bodyPr rtlCol="0" anchor="ctr"/>
-          <a:lstStyle/>
-          <a:p>
-            <a:pPr marL="0" marR="0" lvl="0" indent="0" algn="ctr" defTabSz="914400" rtl="0" eaLnBrk="1" fontAlgn="auto" latinLnBrk="0" hangingPunct="1">
-              <a:lnSpc>
-                <a:spcPct val="100000"/>
-              </a:lnSpc>
-              <a:spcBef>
-                <a:spcPts val="0"/>
-              </a:spcBef>
-              <a:spcAft>
-                <a:spcPts val="0"/>
-              </a:spcAft>
-              <a:buClrTx/>
-              <a:buSzTx/>
-              <a:buFontTx/>
-              <a:buNone/>
-              <a:tabLst/>
-              <a:defRPr/>
-            </a:pPr>
-            <a:endParaRPr kumimoji="0" lang="en-US" sz="1800" b="0" i="0" u="none" strike="noStrike" kern="1200" cap="none" spc="0" normalizeH="0" baseline="0" noProof="0">
-              <a:ln>
-                <a:noFill/>
-              </a:ln>
-              <a:solidFill>
-                <a:prstClr val="white"/>
-              </a:solidFill>
-              <a:effectLst/>
-              <a:uLnTx/>
-              <a:uFillTx/>
-              <a:latin typeface="Calibri" panose="020F0502020204030204"/>
-              <a:ea typeface="+mn-ea"/>
-              <a:cs typeface="+mn-cs"/>
-            </a:endParaRPr>
-          </a:p>
-        </p:txBody>
-      </p:sp>
-      <p:sp>
-        <p:nvSpPr>
-          <p:cNvPr id="10" name="Rectangle 9">
-            <a:extLst>
-              <a:ext uri="{FF2B5EF4-FFF2-40B4-BE49-F238E27FC236}">
-                <a16:creationId xmlns:a16="http://schemas.microsoft.com/office/drawing/2014/main" id="{A53CCC5C-D88E-40FB-B30B-23DCDBD01D37}"/>
-              </a:ext>
-              <a:ext uri="{C183D7F6-B498-43B3-948B-1728B52AA6E4}">
-                <adec:decorative xmlns:adec="http://schemas.microsoft.com/office/drawing/2017/decorative" val="1"/>
-              </a:ext>
-            </a:extLst>
-          </p:cNvPr>
-          <p:cNvSpPr>
-            <a:spLocks noGrp="1" noRot="1" noChangeAspect="1" noMove="1" noResize="1" noEditPoints="1" noAdjustHandles="1" noChangeArrowheads="1" noChangeShapeType="1" noTextEdit="1"/>
-          </p:cNvSpPr>
-          <p:nvPr>
-            <p:extLst>
-              <p:ext uri="{386F3935-93C4-4BCD-93E2-E3B085C9AB24}">
-                <p16:designElem xmlns:p16="http://schemas.microsoft.com/office/powerpoint/2015/main" val="1"/>
-              </p:ext>
-            </p:extLst>
-          </p:nvPr>
-        </p:nvSpPr>
-        <p:spPr>
-          <a:xfrm>
-            <a:off x="0" y="-4"/>
-            <a:ext cx="4167268" cy="6858004"/>
-          </a:xfrm>
-          <a:prstGeom prst="rect">
-            <a:avLst/>
-          </a:prstGeom>
-          <a:solidFill>
-            <a:schemeClr val="accent2"/>
-          </a:solidFill>
-          <a:ln>
-            <a:noFill/>
-          </a:ln>
-        </p:spPr>
-        <p:style>
-          <a:lnRef idx="2">
-            <a:schemeClr val="accent1">
-              <a:shade val="50000"/>
-            </a:schemeClr>
-          </a:lnRef>
-          <a:fillRef idx="1">
-            <a:schemeClr val="accent1"/>
-          </a:fillRef>
-          <a:effectRef idx="0">
-            <a:schemeClr val="accent1"/>
-          </a:effectRef>
-          <a:fontRef idx="minor">
-            <a:schemeClr val="lt1"/>
-          </a:fontRef>
-        </p:style>
-        <p:txBody>
-          <a:bodyPr rtlCol="0" anchor="ctr"/>
-          <a:lstStyle/>
-          <a:p>
-            <a:pPr marL="0" marR="0" lvl="0" indent="0" algn="ctr" defTabSz="914400" rtl="0" eaLnBrk="1" fontAlgn="auto" latinLnBrk="0" hangingPunct="1">
-              <a:lnSpc>
-                <a:spcPct val="100000"/>
-              </a:lnSpc>
-              <a:spcBef>
-                <a:spcPts val="0"/>
-              </a:spcBef>
-              <a:spcAft>
-                <a:spcPts val="0"/>
-              </a:spcAft>
-              <a:buClrTx/>
-              <a:buSzTx/>
-              <a:buFontTx/>
-              <a:buNone/>
-              <a:tabLst/>
-              <a:defRPr/>
-            </a:pPr>
-            <a:endParaRPr kumimoji="0" lang="en-US" sz="1800" b="0" i="0" u="none" strike="noStrike" kern="1200" cap="none" spc="0" normalizeH="0" baseline="0" noProof="0">
-              <a:ln>
-                <a:noFill/>
-              </a:ln>
-              <a:solidFill>
-                <a:prstClr val="white"/>
-              </a:solidFill>
-              <a:effectLst/>
-              <a:uLnTx/>
-              <a:uFillTx/>
-              <a:latin typeface="Calibri" panose="020F0502020204030204"/>
-              <a:ea typeface="+mn-ea"/>
-              <a:cs typeface="+mn-cs"/>
-            </a:endParaRPr>
-          </a:p>
-        </p:txBody>
-      </p:sp>
-      <p:sp>
-        <p:nvSpPr>
-          <p:cNvPr id="2" name="Title 1">
-            <a:extLst>
-              <a:ext uri="{FF2B5EF4-FFF2-40B4-BE49-F238E27FC236}">
-                <a16:creationId xmlns:a16="http://schemas.microsoft.com/office/drawing/2014/main" id="{81821298-EBCB-4044-BED3-E00976FB13E2}"/>
-              </a:ext>
-            </a:extLst>
-          </p:cNvPr>
-          <p:cNvSpPr>
-            <a:spLocks noGrp="1"/>
-          </p:cNvSpPr>
-          <p:nvPr>
-            <p:ph type="title"/>
-          </p:nvPr>
-        </p:nvSpPr>
-        <p:spPr>
-          <a:xfrm>
-            <a:off x="686834" y="591344"/>
-            <a:ext cx="3200400" cy="5585619"/>
-          </a:xfrm>
-        </p:spPr>
-        <p:txBody>
-          <a:bodyPr>
-            <a:normAutofit/>
-          </a:bodyPr>
-          <a:lstStyle/>
-          <a:p>
-            <a:r>
-              <a:rPr lang="en-US">
-                <a:solidFill>
-                  <a:srgbClr val="FFFFFF"/>
-                </a:solidFill>
-                <a:cs typeface="Aharoni"/>
-              </a:rPr>
-              <a:t>Depth </a:t>
-            </a:r>
-            <a:endParaRPr lang="en-US">
-              <a:solidFill>
-                <a:srgbClr val="FFFFFF"/>
-              </a:solidFill>
-            </a:endParaRPr>
-          </a:p>
-        </p:txBody>
-      </p:sp>
-      <p:sp>
-        <p:nvSpPr>
-          <p:cNvPr id="3" name="Content Placeholder 2">
-            <a:extLst>
-              <a:ext uri="{FF2B5EF4-FFF2-40B4-BE49-F238E27FC236}">
-                <a16:creationId xmlns:a16="http://schemas.microsoft.com/office/drawing/2014/main" id="{452E156A-0D80-4AED-B483-06773B4F809F}"/>
-              </a:ext>
-            </a:extLst>
-          </p:cNvPr>
-          <p:cNvSpPr>
-            <a:spLocks noGrp="1"/>
-          </p:cNvSpPr>
-          <p:nvPr>
-            <p:ph idx="1"/>
-          </p:nvPr>
-        </p:nvSpPr>
-        <p:spPr>
-          <a:xfrm>
-            <a:off x="4447308" y="591344"/>
-            <a:ext cx="6906491" cy="5585619"/>
-          </a:xfrm>
-        </p:spPr>
-        <p:txBody>
-          <a:bodyPr anchor="ctr">
-            <a:normAutofit/>
-          </a:bodyPr>
-          <a:lstStyle/>
-          <a:p>
-            <a:r>
-              <a:rPr lang="en-US" sz="3200"/>
-              <a:t>The maximum depth used is</a:t>
-            </a:r>
-            <a:r>
-              <a:rPr lang="en-US" sz="3200" b="1"/>
-              <a:t> 4</a:t>
-            </a:r>
-            <a:r>
-              <a:rPr lang="en-US" sz="3200"/>
-              <a:t> </a:t>
-            </a:r>
-          </a:p>
-        </p:txBody>
-      </p:sp>
-      <p:sp>
-        <p:nvSpPr>
-          <p:cNvPr id="12" name="Arc 11">
-            <a:extLst>
-              <a:ext uri="{FF2B5EF4-FFF2-40B4-BE49-F238E27FC236}">
-                <a16:creationId xmlns:a16="http://schemas.microsoft.com/office/drawing/2014/main" id="{081E4A58-353D-44AE-B2FC-2A74E2E400F7}"/>
-              </a:ext>
-              <a:ext uri="{C183D7F6-B498-43B3-948B-1728B52AA6E4}">
-                <adec:decorative xmlns:adec="http://schemas.microsoft.com/office/drawing/2017/decorative" val="1"/>
-              </a:ext>
-            </a:extLst>
-          </p:cNvPr>
-          <p:cNvSpPr>
-            <a:spLocks noGrp="1" noRot="1" noChangeAspect="1" noMove="1" noResize="1" noEditPoints="1" noAdjustHandles="1" noChangeArrowheads="1" noChangeShapeType="1" noTextEdit="1"/>
-          </p:cNvSpPr>
-          <p:nvPr>
-            <p:extLst>
-              <p:ext uri="{386F3935-93C4-4BCD-93E2-E3B085C9AB24}">
-                <p16:designElem xmlns:p16="http://schemas.microsoft.com/office/powerpoint/2015/main" val="1"/>
-              </p:ext>
-            </p:extLst>
-          </p:nvPr>
-        </p:nvSpPr>
-        <p:spPr>
-          <a:xfrm flipV="1">
-            <a:off x="7550402" y="2455479"/>
-            <a:ext cx="4083433" cy="4083433"/>
-          </a:xfrm>
-          <a:prstGeom prst="arc">
-            <a:avLst/>
-          </a:prstGeom>
-          <a:ln w="127000" cap="rnd">
-            <a:solidFill>
-              <a:schemeClr val="accent4"/>
-            </a:solidFill>
-            <a:prstDash val="dash"/>
-          </a:ln>
-        </p:spPr>
-        <p:style>
-          <a:lnRef idx="1">
-            <a:schemeClr val="accent1"/>
-          </a:lnRef>
-          <a:fillRef idx="0">
-            <a:schemeClr val="accent1"/>
-          </a:fillRef>
-          <a:effectRef idx="0">
-            <a:schemeClr val="accent1"/>
-          </a:effectRef>
-          <a:fontRef idx="minor">
-            <a:schemeClr val="tx1"/>
-          </a:fontRef>
-        </p:style>
-        <p:txBody>
-          <a:bodyPr rtlCol="0" anchor="ctr"/>
-          <a:lstStyle/>
-          <a:p>
-            <a:pPr marL="0" marR="0" lvl="0" indent="0" algn="ctr" defTabSz="914400" rtl="0" eaLnBrk="1" fontAlgn="auto" latinLnBrk="0" hangingPunct="1">
-              <a:lnSpc>
-                <a:spcPct val="100000"/>
-              </a:lnSpc>
-              <a:spcBef>
-                <a:spcPts val="0"/>
-              </a:spcBef>
-              <a:spcAft>
-                <a:spcPts val="0"/>
-              </a:spcAft>
-              <a:buClrTx/>
-              <a:buSzTx/>
-              <a:buFontTx/>
-              <a:buNone/>
-              <a:tabLst/>
-              <a:defRPr/>
-            </a:pPr>
-            <a:endParaRPr kumimoji="0" lang="en-US" sz="1800" b="0" i="0" u="none" strike="noStrike" kern="1200" cap="none" spc="0" normalizeH="0" baseline="0" noProof="0">
-              <a:ln>
-                <a:noFill/>
-              </a:ln>
-              <a:solidFill>
-                <a:prstClr val="black"/>
-              </a:solidFill>
-              <a:effectLst/>
-              <a:uLnTx/>
-              <a:uFillTx/>
-              <a:latin typeface="Calibri" panose="020F0502020204030204"/>
-              <a:ea typeface="+mn-ea"/>
-              <a:cs typeface="+mn-cs"/>
-            </a:endParaRPr>
-          </a:p>
-        </p:txBody>
-      </p:sp>
-    </p:spTree>
-    <p:extLst>
-      <p:ext uri="{BB962C8B-B14F-4D97-AF65-F5344CB8AC3E}">
-        <p14:creationId xmlns:p14="http://schemas.microsoft.com/office/powerpoint/2010/main" val="3707598594"/>
-      </p:ext>
-    </p:extLst>
-  </p:cSld>
-  <p:clrMapOvr>
-    <a:masterClrMapping/>
-  </p:clrMapOvr>
-</p:sld>
-</file>
-
-<file path=ppt/slides/slide6.xml><?xml version="1.0" encoding="utf-8"?>
+<file path=ppt/slides/slide4.xml><?xml version="1.0" encoding="utf-8"?>
 <p:sld xmlns:a="http://schemas.openxmlformats.org/drawingml/2006/main" xmlns:r="http://schemas.openxmlformats.org/officeDocument/2006/relationships" xmlns:p="http://schemas.openxmlformats.org/presentationml/2006/main">
   <p:cSld>
     <p:bg>
